--- a/A05-coffee_abstraction.pptx
+++ b/A05-coffee_abstraction.pptx
@@ -724,7 +724,7 @@
           </a:ln>
           <a:extLst>
             <a:ext uri="{909E8E84-426E-40dd-AFC4-6F175D3DCCD1}">
-              <a14:hiddenFill xmlns="" xmlns:a14="http://schemas.microsoft.com/office/drawing/2010/main">
+              <a14:hiddenFill xmlns:a14="http://schemas.microsoft.com/office/drawing/2010/main" xmlns="">
                 <a:solidFill>
                   <a:srgbClr val="FFFFFF"/>
                 </a:solidFill>
@@ -770,7 +770,7 @@
           </a:ln>
           <a:extLst>
             <a:ext uri="{909E8E84-426E-40dd-AFC4-6F175D3DCCD1}">
-              <a14:hiddenFill xmlns="" xmlns:a14="http://schemas.microsoft.com/office/drawing/2010/main">
+              <a14:hiddenFill xmlns:a14="http://schemas.microsoft.com/office/drawing/2010/main" xmlns="">
                 <a:solidFill>
                   <a:srgbClr val="FFFFFF"/>
                 </a:solidFill>
@@ -816,7 +816,7 @@
           </a:ln>
           <a:extLst>
             <a:ext uri="{909E8E84-426E-40dd-AFC4-6F175D3DCCD1}">
-              <a14:hiddenFill xmlns="" xmlns:a14="http://schemas.microsoft.com/office/drawing/2010/main">
+              <a14:hiddenFill xmlns:a14="http://schemas.microsoft.com/office/drawing/2010/main" xmlns="">
                 <a:solidFill>
                   <a:srgbClr val="FFFFFF"/>
                 </a:solidFill>
@@ -860,7 +860,7 @@
           </a:ln>
           <a:extLst>
             <a:ext uri="{909E8E84-426E-40dd-AFC4-6F175D3DCCD1}">
-              <a14:hiddenFill xmlns="" xmlns:a14="http://schemas.microsoft.com/office/drawing/2010/main">
+              <a14:hiddenFill xmlns:a14="http://schemas.microsoft.com/office/drawing/2010/main" xmlns="">
                 <a:solidFill>
                   <a:srgbClr val="FFFFFF"/>
                 </a:solidFill>
@@ -906,7 +906,7 @@
           </a:ln>
           <a:extLst>
             <a:ext uri="{909E8E84-426E-40dd-AFC4-6F175D3DCCD1}">
-              <a14:hiddenFill xmlns="" xmlns:a14="http://schemas.microsoft.com/office/drawing/2010/main">
+              <a14:hiddenFill xmlns:a14="http://schemas.microsoft.com/office/drawing/2010/main" xmlns="">
                 <a:solidFill>
                   <a:srgbClr val="FFFFFF"/>
                 </a:solidFill>
@@ -952,7 +952,7 @@
           </a:ln>
           <a:extLst>
             <a:ext uri="{909E8E84-426E-40dd-AFC4-6F175D3DCCD1}">
-              <a14:hiddenFill xmlns="" xmlns:a14="http://schemas.microsoft.com/office/drawing/2010/main">
+              <a14:hiddenFill xmlns:a14="http://schemas.microsoft.com/office/drawing/2010/main" xmlns="">
                 <a:solidFill>
                   <a:srgbClr val="FFFFFF"/>
                 </a:solidFill>
@@ -8001,7 +8001,7 @@
             <a:fld id="{1D8BD707-D9CF-40AE-B4C6-C98DA3205C09}" type="datetimeFigureOut">
               <a:rPr lang="en-US" smtClean="0"/>
               <a:pPr/>
-              <a:t>1/9/19</a:t>
+              <a:t>1/23/19</a:t>
             </a:fld>
             <a:endParaRPr lang="en-US" dirty="0"/>
           </a:p>
@@ -8995,7 +8995,7 @@
           <a:p>
             <a:fld id="{1D8BD707-D9CF-40AE-B4C6-C98DA3205C09}" type="datetimeFigureOut">
               <a:rPr lang="en-US"/>
-              <a:t>1/9/19</a:t>
+              <a:t>1/23/19</a:t>
             </a:fld>
             <a:endParaRPr lang="en-US"/>
           </a:p>
@@ -9474,7 +9474,7 @@
           </a:ln>
           <a:extLst>
             <a:ext uri="{909E8E84-426E-40dd-AFC4-6F175D3DCCD1}">
-              <a14:hiddenFill xmlns:a14="http://schemas.microsoft.com/office/drawing/2010/main" xmlns="">
+              <a14:hiddenFill xmlns="" xmlns:a14="http://schemas.microsoft.com/office/drawing/2010/main">
                 <a:solidFill>
                   <a:srgbClr val="FFFFFF"/>
                 </a:solidFill>
@@ -9520,7 +9520,7 @@
           </a:ln>
           <a:extLst>
             <a:ext uri="{909E8E84-426E-40dd-AFC4-6F175D3DCCD1}">
-              <a14:hiddenFill xmlns:a14="http://schemas.microsoft.com/office/drawing/2010/main" xmlns="">
+              <a14:hiddenFill xmlns="" xmlns:a14="http://schemas.microsoft.com/office/drawing/2010/main">
                 <a:solidFill>
                   <a:srgbClr val="FFFFFF"/>
                 </a:solidFill>
@@ -9566,7 +9566,7 @@
           </a:ln>
           <a:extLst>
             <a:ext uri="{909E8E84-426E-40dd-AFC4-6F175D3DCCD1}">
-              <a14:hiddenFill xmlns:a14="http://schemas.microsoft.com/office/drawing/2010/main" xmlns="">
+              <a14:hiddenFill xmlns="" xmlns:a14="http://schemas.microsoft.com/office/drawing/2010/main">
                 <a:solidFill>
                   <a:srgbClr val="FFFFFF"/>
                 </a:solidFill>
@@ -9610,7 +9610,7 @@
           </a:ln>
           <a:extLst>
             <a:ext uri="{909E8E84-426E-40dd-AFC4-6F175D3DCCD1}">
-              <a14:hiddenFill xmlns:a14="http://schemas.microsoft.com/office/drawing/2010/main" xmlns="">
+              <a14:hiddenFill xmlns="" xmlns:a14="http://schemas.microsoft.com/office/drawing/2010/main">
                 <a:solidFill>
                   <a:srgbClr val="FFFFFF"/>
                 </a:solidFill>
@@ -9656,7 +9656,7 @@
           </a:ln>
           <a:extLst>
             <a:ext uri="{909E8E84-426E-40dd-AFC4-6F175D3DCCD1}">
-              <a14:hiddenFill xmlns:a14="http://schemas.microsoft.com/office/drawing/2010/main" xmlns="">
+              <a14:hiddenFill xmlns="" xmlns:a14="http://schemas.microsoft.com/office/drawing/2010/main">
                 <a:solidFill>
                   <a:srgbClr val="FFFFFF"/>
                 </a:solidFill>
@@ -9702,7 +9702,7 @@
           </a:ln>
           <a:extLst>
             <a:ext uri="{909E8E84-426E-40dd-AFC4-6F175D3DCCD1}">
-              <a14:hiddenFill xmlns:a14="http://schemas.microsoft.com/office/drawing/2010/main" xmlns="">
+              <a14:hiddenFill xmlns="" xmlns:a14="http://schemas.microsoft.com/office/drawing/2010/main">
                 <a:solidFill>
                   <a:srgbClr val="FFFFFF"/>
                 </a:solidFill>
@@ -9963,7 +9963,7 @@
           <a:p>
             <a:fld id="{6E39BF48-6E0A-4E37-BB05-8DF70571673D}" type="datetimeFigureOut">
               <a:rPr lang="en-US" smtClean="0"/>
-              <a:t>1/9/19</a:t>
+              <a:t>1/23/19</a:t>
             </a:fld>
             <a:endParaRPr lang="en-US"/>
           </a:p>
@@ -10650,7 +10650,15 @@
             </a:pPr>
             <a:r>
               <a:rPr lang="en-US" sz="3600" dirty="0"/>
-              <a:t>Determine all of the data attributes included on the menu. For each attribute, determine the type (categorical, ordinal, or qualitative)</a:t>
+              <a:t>Determine all of the data attributes included on the menu. For each attribute, determine the type (categorical, ordinal, </a:t>
+            </a:r>
+            <a:r>
+              <a:rPr lang="en-US" sz="3600"/>
+              <a:t>or quantitative</a:t>
+            </a:r>
+            <a:r>
+              <a:rPr lang="en-US" sz="3600" dirty="0"/>
+              <a:t>)</a:t>
             </a:r>
           </a:p>
           <a:p>
